--- a/outputs/presentation/presentation.pptx
+++ b/outputs/presentation/presentation.pptx
@@ -1,6 +1,6 @@
 
 <file path=ppt/presentation.xml><?xml version="1.0" encoding="utf-8"?>
-<p:presentation xmlns:a="http://schemas.openxmlformats.org/drawingml/2006/main" xmlns:p="http://schemas.openxmlformats.org/presentationml/2006/main" xmlns:r="http://schemas.openxmlformats.org/officeDocument/2006/relationships" autoCompressPictures="0" saveSubsetFonts="1">
+<p:presentation xmlns:a="http://schemas.openxmlformats.org/drawingml/2006/main" xmlns:r="http://schemas.openxmlformats.org/officeDocument/2006/relationships" xmlns:p="http://schemas.openxmlformats.org/presentationml/2006/main" saveSubsetFonts="1" autoCompressPictures="0">
   <p:sldMasterIdLst>
     <p:sldMasterId id="2147483648" r:id="rId1"/>
   </p:sldMasterIdLst>
@@ -17,8 +17,8 @@
     <a:defPPr>
       <a:defRPr lang="en-US"/>
     </a:defPPr>
-    <a:lvl1pPr algn="l" defTabSz="457200" eaLnBrk="1" hangingPunct="1" latinLnBrk="0" marL="0" rtl="0">
-      <a:defRPr kern="1200" sz="1800">
+    <a:lvl1pPr marL="0" algn="l" defTabSz="457200" rtl="0" eaLnBrk="1" latinLnBrk="0" hangingPunct="1">
+      <a:defRPr sz="1800" kern="1200">
         <a:solidFill>
           <a:schemeClr val="tx1"/>
         </a:solidFill>
@@ -27,8 +27,8 @@
         <a:cs typeface="+mn-cs"/>
       </a:defRPr>
     </a:lvl1pPr>
-    <a:lvl2pPr algn="l" defTabSz="457200" eaLnBrk="1" hangingPunct="1" latinLnBrk="0" marL="457200" rtl="0">
-      <a:defRPr kern="1200" sz="1800">
+    <a:lvl2pPr marL="457200" algn="l" defTabSz="457200" rtl="0" eaLnBrk="1" latinLnBrk="0" hangingPunct="1">
+      <a:defRPr sz="1800" kern="1200">
         <a:solidFill>
           <a:schemeClr val="tx1"/>
         </a:solidFill>
@@ -37,8 +37,8 @@
         <a:cs typeface="+mn-cs"/>
       </a:defRPr>
     </a:lvl2pPr>
-    <a:lvl3pPr algn="l" defTabSz="457200" eaLnBrk="1" hangingPunct="1" latinLnBrk="0" marL="914400" rtl="0">
-      <a:defRPr kern="1200" sz="1800">
+    <a:lvl3pPr marL="914400" algn="l" defTabSz="457200" rtl="0" eaLnBrk="1" latinLnBrk="0" hangingPunct="1">
+      <a:defRPr sz="1800" kern="1200">
         <a:solidFill>
           <a:schemeClr val="tx1"/>
         </a:solidFill>
@@ -47,8 +47,8 @@
         <a:cs typeface="+mn-cs"/>
       </a:defRPr>
     </a:lvl3pPr>
-    <a:lvl4pPr algn="l" defTabSz="457200" eaLnBrk="1" hangingPunct="1" latinLnBrk="0" marL="1371600" rtl="0">
-      <a:defRPr kern="1200" sz="1800">
+    <a:lvl4pPr marL="1371600" algn="l" defTabSz="457200" rtl="0" eaLnBrk="1" latinLnBrk="0" hangingPunct="1">
+      <a:defRPr sz="1800" kern="1200">
         <a:solidFill>
           <a:schemeClr val="tx1"/>
         </a:solidFill>
@@ -57,8 +57,8 @@
         <a:cs typeface="+mn-cs"/>
       </a:defRPr>
     </a:lvl4pPr>
-    <a:lvl5pPr algn="l" defTabSz="457200" eaLnBrk="1" hangingPunct="1" latinLnBrk="0" marL="1828800" rtl="0">
-      <a:defRPr kern="1200" sz="1800">
+    <a:lvl5pPr marL="1828800" algn="l" defTabSz="457200" rtl="0" eaLnBrk="1" latinLnBrk="0" hangingPunct="1">
+      <a:defRPr sz="1800" kern="1200">
         <a:solidFill>
           <a:schemeClr val="tx1"/>
         </a:solidFill>
@@ -67,8 +67,8 @@
         <a:cs typeface="+mn-cs"/>
       </a:defRPr>
     </a:lvl5pPr>
-    <a:lvl6pPr algn="l" defTabSz="457200" eaLnBrk="1" hangingPunct="1" latinLnBrk="0" marL="2286000" rtl="0">
-      <a:defRPr kern="1200" sz="1800">
+    <a:lvl6pPr marL="2286000" algn="l" defTabSz="457200" rtl="0" eaLnBrk="1" latinLnBrk="0" hangingPunct="1">
+      <a:defRPr sz="1800" kern="1200">
         <a:solidFill>
           <a:schemeClr val="tx1"/>
         </a:solidFill>
@@ -77,8 +77,8 @@
         <a:cs typeface="+mn-cs"/>
       </a:defRPr>
     </a:lvl6pPr>
-    <a:lvl7pPr algn="l" defTabSz="457200" eaLnBrk="1" hangingPunct="1" latinLnBrk="0" marL="2743200" rtl="0">
-      <a:defRPr kern="1200" sz="1800">
+    <a:lvl7pPr marL="2743200" algn="l" defTabSz="457200" rtl="0" eaLnBrk="1" latinLnBrk="0" hangingPunct="1">
+      <a:defRPr sz="1800" kern="1200">
         <a:solidFill>
           <a:schemeClr val="tx1"/>
         </a:solidFill>
@@ -87,8 +87,8 @@
         <a:cs typeface="+mn-cs"/>
       </a:defRPr>
     </a:lvl7pPr>
-    <a:lvl8pPr algn="l" defTabSz="457200" eaLnBrk="1" hangingPunct="1" latinLnBrk="0" marL="3200400" rtl="0">
-      <a:defRPr kern="1200" sz="1800">
+    <a:lvl8pPr marL="3200400" algn="l" defTabSz="457200" rtl="0" eaLnBrk="1" latinLnBrk="0" hangingPunct="1">
+      <a:defRPr sz="1800" kern="1200">
         <a:solidFill>
           <a:schemeClr val="tx1"/>
         </a:solidFill>
@@ -97,8 +97,8 @@
         <a:cs typeface="+mn-cs"/>
       </a:defRPr>
     </a:lvl8pPr>
-    <a:lvl9pPr algn="l" defTabSz="457200" eaLnBrk="1" hangingPunct="1" latinLnBrk="0" marL="3657600" rtl="0">
-      <a:defRPr kern="1200" sz="1800">
+    <a:lvl9pPr marL="3657600" algn="l" defTabSz="457200" rtl="0" eaLnBrk="1" latinLnBrk="0" hangingPunct="1">
+      <a:defRPr sz="1800" kern="1200">
         <a:solidFill>
           <a:schemeClr val="tx1"/>
         </a:solidFill>
@@ -306,7 +306,7 @@
           <a:p>
             <a:fld id="{241EB5C9-1307-BA42-ABA2-0BC069CD8E7F}" type="datetimeFigureOut">
               <a:rPr lang="en-US" smtClean="0"/>
-              <a:t>1/2/22</a:t>
+              <a:t>7/7/22</a:t>
             </a:fld>
             <a:endParaRPr lang="en-US"/>
           </a:p>
@@ -474,7 +474,7 @@
           <a:p>
             <a:fld id="{241EB5C9-1307-BA42-ABA2-0BC069CD8E7F}" type="datetimeFigureOut">
               <a:rPr lang="en-US" smtClean="0"/>
-              <a:t>1/2/22</a:t>
+              <a:t>7/7/22</a:t>
             </a:fld>
             <a:endParaRPr lang="en-US"/>
           </a:p>
@@ -652,7 +652,7 @@
           <a:p>
             <a:fld id="{241EB5C9-1307-BA42-ABA2-0BC069CD8E7F}" type="datetimeFigureOut">
               <a:rPr lang="en-US" smtClean="0"/>
-              <a:t>1/2/22</a:t>
+              <a:t>7/7/22</a:t>
             </a:fld>
             <a:endParaRPr lang="en-US"/>
           </a:p>
@@ -820,7 +820,7 @@
           <a:p>
             <a:fld id="{241EB5C9-1307-BA42-ABA2-0BC069CD8E7F}" type="datetimeFigureOut">
               <a:rPr lang="en-US" smtClean="0"/>
-              <a:t>1/2/22</a:t>
+              <a:t>7/7/22</a:t>
             </a:fld>
             <a:endParaRPr lang="en-US"/>
           </a:p>
@@ -1065,7 +1065,7 @@
           <a:p>
             <a:fld id="{241EB5C9-1307-BA42-ABA2-0BC069CD8E7F}" type="datetimeFigureOut">
               <a:rPr lang="en-US" smtClean="0"/>
-              <a:t>1/2/22</a:t>
+              <a:t>7/7/22</a:t>
             </a:fld>
             <a:endParaRPr lang="en-US"/>
           </a:p>
@@ -1350,7 +1350,7 @@
           <a:p>
             <a:fld id="{241EB5C9-1307-BA42-ABA2-0BC069CD8E7F}" type="datetimeFigureOut">
               <a:rPr lang="en-US" smtClean="0"/>
-              <a:t>1/2/22</a:t>
+              <a:t>7/7/22</a:t>
             </a:fld>
             <a:endParaRPr lang="en-US"/>
           </a:p>
@@ -1769,7 +1769,7 @@
           <a:p>
             <a:fld id="{241EB5C9-1307-BA42-ABA2-0BC069CD8E7F}" type="datetimeFigureOut">
               <a:rPr lang="en-US" smtClean="0"/>
-              <a:t>1/2/22</a:t>
+              <a:t>7/7/22</a:t>
             </a:fld>
             <a:endParaRPr lang="en-US"/>
           </a:p>
@@ -1886,7 +1886,7 @@
           <a:p>
             <a:fld id="{241EB5C9-1307-BA42-ABA2-0BC069CD8E7F}" type="datetimeFigureOut">
               <a:rPr lang="en-US" smtClean="0"/>
-              <a:t>1/2/22</a:t>
+              <a:t>7/7/22</a:t>
             </a:fld>
             <a:endParaRPr lang="en-US"/>
           </a:p>
@@ -1981,7 +1981,7 @@
           <a:p>
             <a:fld id="{241EB5C9-1307-BA42-ABA2-0BC069CD8E7F}" type="datetimeFigureOut">
               <a:rPr lang="en-US" smtClean="0"/>
-              <a:t>1/2/22</a:t>
+              <a:t>7/7/22</a:t>
             </a:fld>
             <a:endParaRPr lang="en-US"/>
           </a:p>
@@ -2256,7 +2256,7 @@
           <a:p>
             <a:fld id="{241EB5C9-1307-BA42-ABA2-0BC069CD8E7F}" type="datetimeFigureOut">
               <a:rPr lang="en-US" smtClean="0"/>
-              <a:t>1/2/22</a:t>
+              <a:t>7/7/22</a:t>
             </a:fld>
             <a:endParaRPr lang="en-US"/>
           </a:p>
@@ -2508,7 +2508,7 @@
           <a:p>
             <a:fld id="{241EB5C9-1307-BA42-ABA2-0BC069CD8E7F}" type="datetimeFigureOut">
               <a:rPr lang="en-US" smtClean="0"/>
-              <a:t>1/2/22</a:t>
+              <a:t>7/7/22</a:t>
             </a:fld>
             <a:endParaRPr lang="en-US"/>
           </a:p>
@@ -2570,7 +2570,7 @@
 </file>
 
 <file path=ppt/slideMasters/slideMaster1.xml><?xml version="1.0" encoding="utf-8"?>
-<p:sldMaster xmlns:a="http://schemas.openxmlformats.org/drawingml/2006/main" xmlns:p="http://schemas.openxmlformats.org/presentationml/2006/main" xmlns:r="http://schemas.openxmlformats.org/officeDocument/2006/relationships">
+<p:sldMaster xmlns:a="http://schemas.openxmlformats.org/drawingml/2006/main" xmlns:r="http://schemas.openxmlformats.org/officeDocument/2006/relationships" xmlns:p="http://schemas.openxmlformats.org/presentationml/2006/main">
   <p:cSld>
     <p:bg>
       <p:bgRef idx="1001">
@@ -2611,7 +2611,7 @@
           </a:prstGeom>
         </p:spPr>
         <p:txBody>
-          <a:bodyPr anchor="ctr" bIns="45720" lIns="91440" rIns="91440" rtlCol="0" tIns="45720" vert="horz">
+          <a:bodyPr vert="horz" lIns="91440" tIns="45720" rIns="91440" bIns="45720" rtlCol="0" anchor="ctr">
             <a:normAutofit/>
           </a:bodyPr>
           <a:lstStyle/>
@@ -2630,7 +2630,7 @@
             <a:spLocks noGrp="1"/>
           </p:cNvSpPr>
           <p:nvPr>
-            <p:ph idx="1" type="body"/>
+            <p:ph type="body" idx="1"/>
           </p:nvPr>
         </p:nvSpPr>
         <p:spPr>
@@ -2643,7 +2643,7 @@
           </a:prstGeom>
         </p:spPr>
         <p:txBody>
-          <a:bodyPr bIns="45720" lIns="91440" rIns="91440" rtlCol="0" tIns="45720" vert="horz">
+          <a:bodyPr vert="horz" lIns="91440" tIns="45720" rIns="91440" bIns="45720" rtlCol="0">
             <a:normAutofit/>
           </a:bodyPr>
           <a:lstStyle/>
@@ -2691,7 +2691,7 @@
             <a:spLocks noGrp="1"/>
           </p:cNvSpPr>
           <p:nvPr>
-            <p:ph idx="2" sz="half" type="dt"/>
+            <p:ph type="dt" sz="half" idx="2"/>
           </p:nvPr>
         </p:nvSpPr>
         <p:spPr>
@@ -2704,7 +2704,7 @@
           </a:prstGeom>
         </p:spPr>
         <p:txBody>
-          <a:bodyPr anchor="ctr" bIns="45720" lIns="91440" rIns="91440" rtlCol="0" tIns="45720" vert="horz"/>
+          <a:bodyPr vert="horz" lIns="91440" tIns="45720" rIns="91440" bIns="45720" rtlCol="0" anchor="ctr"/>
           <a:lstStyle>
             <a:lvl1pPr algn="l">
               <a:defRPr sz="900">
@@ -2719,7 +2719,7 @@
           <a:p>
             <a:fld id="{241EB5C9-1307-BA42-ABA2-0BC069CD8E7F}" type="datetimeFigureOut">
               <a:rPr lang="en-US" smtClean="0"/>
-              <a:t>1/2/22</a:t>
+              <a:t>7/7/22</a:t>
             </a:fld>
             <a:endParaRPr lang="en-US"/>
           </a:p>
@@ -2732,7 +2732,7 @@
             <a:spLocks noGrp="1"/>
           </p:cNvSpPr>
           <p:nvPr>
-            <p:ph idx="3" sz="quarter" type="ftr"/>
+            <p:ph type="ftr" sz="quarter" idx="3"/>
           </p:nvPr>
         </p:nvSpPr>
         <p:spPr>
@@ -2745,7 +2745,7 @@
           </a:prstGeom>
         </p:spPr>
         <p:txBody>
-          <a:bodyPr anchor="ctr" bIns="45720" lIns="91440" rIns="91440" rtlCol="0" tIns="45720" vert="horz"/>
+          <a:bodyPr vert="horz" lIns="91440" tIns="45720" rIns="91440" bIns="45720" rtlCol="0" anchor="ctr"/>
           <a:lstStyle>
             <a:lvl1pPr algn="ctr">
               <a:defRPr sz="900">
@@ -2769,7 +2769,7 @@
             <a:spLocks noGrp="1"/>
           </p:cNvSpPr>
           <p:nvPr>
-            <p:ph idx="4" sz="quarter" type="sldNum"/>
+            <p:ph type="sldNum" sz="quarter" idx="4"/>
           </p:nvPr>
         </p:nvSpPr>
         <p:spPr>
@@ -2782,7 +2782,7 @@
           </a:prstGeom>
         </p:spPr>
         <p:txBody>
-          <a:bodyPr anchor="ctr" bIns="45720" lIns="91440" rIns="91440" rtlCol="0" tIns="45720" vert="horz"/>
+          <a:bodyPr vert="horz" lIns="91440" tIns="45720" rIns="91440" bIns="45720" rtlCol="0" anchor="ctr"/>
           <a:lstStyle>
             <a:lvl1pPr algn="r">
               <a:defRPr sz="900">
@@ -2810,7 +2810,7 @@
       </p:ext>
     </p:extLst>
   </p:cSld>
-  <p:clrMap accent1="accent1" accent2="accent2" accent3="accent3" accent4="accent4" accent5="accent5" accent6="accent6" bg1="lt1" bg2="lt2" folHlink="folHlink" hlink="hlink" tx1="dk1" tx2="dk2"/>
+  <p:clrMap bg1="lt1" tx1="dk1" bg2="lt2" tx2="dk2" accent1="accent1" accent2="accent2" accent3="accent3" accent4="accent4" accent5="accent5" accent6="accent6" hlink="hlink" folHlink="folHlink"/>
   <p:sldLayoutIdLst>
     <p:sldLayoutId id="2147483649" r:id="rId1"/>
     <p:sldLayoutId id="2147483650" r:id="rId2"/>
@@ -2826,12 +2826,12 @@
   </p:sldLayoutIdLst>
   <p:txStyles>
     <p:titleStyle>
-      <a:lvl1pPr algn="ctr" defTabSz="342900" eaLnBrk="1" hangingPunct="1" latinLnBrk="0" rtl="0">
+      <a:lvl1pPr algn="ctr" defTabSz="342900" rtl="0" eaLnBrk="1" latinLnBrk="0" hangingPunct="1">
         <a:spcBef>
           <a:spcPct val="0"/>
         </a:spcBef>
         <a:buNone/>
-        <a:defRPr kern="1200" sz="3300">
+        <a:defRPr sz="3300" kern="1200">
           <a:solidFill>
             <a:schemeClr val="tx1"/>
           </a:solidFill>
@@ -2842,13 +2842,13 @@
       </a:lvl1pPr>
     </p:titleStyle>
     <p:bodyStyle>
-      <a:lvl1pPr algn="l" defTabSz="342900" eaLnBrk="1" hangingPunct="1" indent="-342900" latinLnBrk="0" marL="342900" rtl="0">
+      <a:lvl1pPr marL="342900" indent="-342900" algn="l" defTabSz="342900" rtl="0" eaLnBrk="1" latinLnBrk="0" hangingPunct="1">
         <a:spcBef>
           <a:spcPct val="20000"/>
         </a:spcBef>
         <a:buFont typeface="Arial"/>
         <a:buChar char="•"/>
-        <a:defRPr kern="1200" sz="2400">
+        <a:defRPr sz="2400" kern="1200">
           <a:solidFill>
             <a:schemeClr val="tx1"/>
           </a:solidFill>
@@ -2857,13 +2857,13 @@
           <a:cs typeface="+mn-cs"/>
         </a:defRPr>
       </a:lvl1pPr>
-      <a:lvl2pPr algn="l" defTabSz="342900" eaLnBrk="1" hangingPunct="1" indent="-342900" latinLnBrk="0" marL="685800" rtl="0">
+      <a:lvl2pPr marL="685800" indent="-342900" algn="l" defTabSz="342900" rtl="0" eaLnBrk="1" latinLnBrk="0" hangingPunct="1">
         <a:spcBef>
           <a:spcPct val="20000"/>
         </a:spcBef>
         <a:buFont typeface="Arial"/>
         <a:buChar char="–"/>
-        <a:defRPr kern="1200" sz="2100">
+        <a:defRPr sz="2100" kern="1200">
           <a:solidFill>
             <a:schemeClr val="tx1"/>
           </a:solidFill>
@@ -2872,13 +2872,13 @@
           <a:cs typeface="+mn-cs"/>
         </a:defRPr>
       </a:lvl2pPr>
-      <a:lvl3pPr algn="l" defTabSz="342900" eaLnBrk="1" hangingPunct="1" indent="-342900" latinLnBrk="0" marL="1028700" rtl="0">
+      <a:lvl3pPr marL="1028700" indent="-342900" algn="l" defTabSz="342900" rtl="0" eaLnBrk="1" latinLnBrk="0" hangingPunct="1">
         <a:spcBef>
           <a:spcPct val="20000"/>
         </a:spcBef>
         <a:buFont typeface="Arial"/>
         <a:buChar char="•"/>
-        <a:defRPr kern="1200" sz="1800">
+        <a:defRPr sz="1800" kern="1200">
           <a:solidFill>
             <a:schemeClr val="tx1"/>
           </a:solidFill>
@@ -2887,13 +2887,13 @@
           <a:cs typeface="+mn-cs"/>
         </a:defRPr>
       </a:lvl3pPr>
-      <a:lvl4pPr algn="l" defTabSz="342900" eaLnBrk="1" hangingPunct="1" indent="-342900" latinLnBrk="0" marL="1371600" rtl="0">
+      <a:lvl4pPr marL="1371600" indent="-342900" algn="l" defTabSz="342900" rtl="0" eaLnBrk="1" latinLnBrk="0" hangingPunct="1">
         <a:spcBef>
           <a:spcPct val="20000"/>
         </a:spcBef>
         <a:buFont typeface="Arial"/>
         <a:buChar char="–"/>
-        <a:defRPr kern="1200" sz="1500">
+        <a:defRPr sz="1500" kern="1200">
           <a:solidFill>
             <a:schemeClr val="tx1"/>
           </a:solidFill>
@@ -2902,13 +2902,13 @@
           <a:cs typeface="+mn-cs"/>
         </a:defRPr>
       </a:lvl4pPr>
-      <a:lvl5pPr algn="l" defTabSz="342900" eaLnBrk="1" hangingPunct="1" indent="-342900" latinLnBrk="0" marL="1714500" rtl="0">
+      <a:lvl5pPr marL="1714500" indent="-342900" algn="l" defTabSz="342900" rtl="0" eaLnBrk="1" latinLnBrk="0" hangingPunct="1">
         <a:spcBef>
           <a:spcPct val="20000"/>
         </a:spcBef>
         <a:buFont typeface="Arial"/>
         <a:buChar char="»"/>
-        <a:defRPr kern="1200" sz="1500">
+        <a:defRPr sz="1500" kern="1200">
           <a:solidFill>
             <a:schemeClr val="tx1"/>
           </a:solidFill>
@@ -2917,13 +2917,13 @@
           <a:cs typeface="+mn-cs"/>
         </a:defRPr>
       </a:lvl5pPr>
-      <a:lvl6pPr algn="l" defTabSz="342900" eaLnBrk="1" hangingPunct="1" indent="-342900" latinLnBrk="0" marL="2057400" rtl="0">
+      <a:lvl6pPr marL="2057400" indent="-342900" algn="l" defTabSz="342900" rtl="0" eaLnBrk="1" latinLnBrk="0" hangingPunct="1">
         <a:spcBef>
           <a:spcPct val="20000"/>
         </a:spcBef>
         <a:buFont typeface="Arial"/>
         <a:buChar char="•"/>
-        <a:defRPr kern="1200" sz="1500">
+        <a:defRPr sz="1500" kern="1200">
           <a:solidFill>
             <a:schemeClr val="tx1"/>
           </a:solidFill>
@@ -2932,13 +2932,13 @@
           <a:cs typeface="+mn-cs"/>
         </a:defRPr>
       </a:lvl6pPr>
-      <a:lvl7pPr algn="l" defTabSz="342900" eaLnBrk="1" hangingPunct="1" indent="-342900" latinLnBrk="0" marL="2400300" rtl="0">
+      <a:lvl7pPr marL="2400300" indent="-342900" algn="l" defTabSz="342900" rtl="0" eaLnBrk="1" latinLnBrk="0" hangingPunct="1">
         <a:spcBef>
           <a:spcPct val="20000"/>
         </a:spcBef>
         <a:buFont typeface="Arial"/>
         <a:buChar char="•"/>
-        <a:defRPr kern="1200" sz="1500">
+        <a:defRPr sz="1500" kern="1200">
           <a:solidFill>
             <a:schemeClr val="tx1"/>
           </a:solidFill>
@@ -2947,13 +2947,13 @@
           <a:cs typeface="+mn-cs"/>
         </a:defRPr>
       </a:lvl7pPr>
-      <a:lvl8pPr algn="l" defTabSz="342900" eaLnBrk="1" hangingPunct="1" indent="-342900" latinLnBrk="0" marL="2743200" rtl="0">
+      <a:lvl8pPr marL="2743200" indent="-342900" algn="l" defTabSz="342900" rtl="0" eaLnBrk="1" latinLnBrk="0" hangingPunct="1">
         <a:spcBef>
           <a:spcPct val="20000"/>
         </a:spcBef>
         <a:buFont typeface="Arial"/>
         <a:buChar char="•"/>
-        <a:defRPr kern="1200" sz="1500">
+        <a:defRPr sz="1500" kern="1200">
           <a:solidFill>
             <a:schemeClr val="tx1"/>
           </a:solidFill>
@@ -2962,13 +2962,13 @@
           <a:cs typeface="+mn-cs"/>
         </a:defRPr>
       </a:lvl8pPr>
-      <a:lvl9pPr algn="l" defTabSz="342900" eaLnBrk="1" hangingPunct="1" indent="-342900" latinLnBrk="0" marL="3086100" rtl="0">
+      <a:lvl9pPr marL="3086100" indent="-342900" algn="l" defTabSz="342900" rtl="0" eaLnBrk="1" latinLnBrk="0" hangingPunct="1">
         <a:spcBef>
           <a:spcPct val="20000"/>
         </a:spcBef>
         <a:buFont typeface="Arial"/>
         <a:buChar char="•"/>
-        <a:defRPr kern="1200" sz="1500">
+        <a:defRPr sz="1500" kern="1200">
           <a:solidFill>
             <a:schemeClr val="tx1"/>
           </a:solidFill>
@@ -2982,8 +2982,8 @@
       <a:defPPr>
         <a:defRPr lang="en-US"/>
       </a:defPPr>
-      <a:lvl1pPr algn="l" defTabSz="342900" eaLnBrk="1" hangingPunct="1" latinLnBrk="0" marL="0" rtl="0">
-        <a:defRPr kern="1200" sz="1350">
+      <a:lvl1pPr marL="0" algn="l" defTabSz="342900" rtl="0" eaLnBrk="1" latinLnBrk="0" hangingPunct="1">
+        <a:defRPr sz="1350" kern="1200">
           <a:solidFill>
             <a:schemeClr val="tx1"/>
           </a:solidFill>
@@ -2992,8 +2992,8 @@
           <a:cs typeface="+mn-cs"/>
         </a:defRPr>
       </a:lvl1pPr>
-      <a:lvl2pPr algn="l" defTabSz="342900" eaLnBrk="1" hangingPunct="1" latinLnBrk="0" marL="342900" rtl="0">
-        <a:defRPr kern="1200" sz="1350">
+      <a:lvl2pPr marL="342900" algn="l" defTabSz="342900" rtl="0" eaLnBrk="1" latinLnBrk="0" hangingPunct="1">
+        <a:defRPr sz="1350" kern="1200">
           <a:solidFill>
             <a:schemeClr val="tx1"/>
           </a:solidFill>
@@ -3002,8 +3002,8 @@
           <a:cs typeface="+mn-cs"/>
         </a:defRPr>
       </a:lvl2pPr>
-      <a:lvl3pPr algn="l" defTabSz="342900" eaLnBrk="1" hangingPunct="1" latinLnBrk="0" marL="685800" rtl="0">
-        <a:defRPr kern="1200" sz="1350">
+      <a:lvl3pPr marL="685800" algn="l" defTabSz="342900" rtl="0" eaLnBrk="1" latinLnBrk="0" hangingPunct="1">
+        <a:defRPr sz="1350" kern="1200">
           <a:solidFill>
             <a:schemeClr val="tx1"/>
           </a:solidFill>
@@ -3012,8 +3012,8 @@
           <a:cs typeface="+mn-cs"/>
         </a:defRPr>
       </a:lvl3pPr>
-      <a:lvl4pPr algn="l" defTabSz="342900" eaLnBrk="1" hangingPunct="1" latinLnBrk="0" marL="1028700" rtl="0">
-        <a:defRPr kern="1200" sz="1350">
+      <a:lvl4pPr marL="1028700" algn="l" defTabSz="342900" rtl="0" eaLnBrk="1" latinLnBrk="0" hangingPunct="1">
+        <a:defRPr sz="1350" kern="1200">
           <a:solidFill>
             <a:schemeClr val="tx1"/>
           </a:solidFill>
@@ -3022,8 +3022,8 @@
           <a:cs typeface="+mn-cs"/>
         </a:defRPr>
       </a:lvl4pPr>
-      <a:lvl5pPr algn="l" defTabSz="342900" eaLnBrk="1" hangingPunct="1" latinLnBrk="0" marL="1371600" rtl="0">
-        <a:defRPr kern="1200" sz="1350">
+      <a:lvl5pPr marL="1371600" algn="l" defTabSz="342900" rtl="0" eaLnBrk="1" latinLnBrk="0" hangingPunct="1">
+        <a:defRPr sz="1350" kern="1200">
           <a:solidFill>
             <a:schemeClr val="tx1"/>
           </a:solidFill>
@@ -3032,8 +3032,8 @@
           <a:cs typeface="+mn-cs"/>
         </a:defRPr>
       </a:lvl5pPr>
-      <a:lvl6pPr algn="l" defTabSz="342900" eaLnBrk="1" hangingPunct="1" latinLnBrk="0" marL="1714500" rtl="0">
-        <a:defRPr kern="1200" sz="1350">
+      <a:lvl6pPr marL="1714500" algn="l" defTabSz="342900" rtl="0" eaLnBrk="1" latinLnBrk="0" hangingPunct="1">
+        <a:defRPr sz="1350" kern="1200">
           <a:solidFill>
             <a:schemeClr val="tx1"/>
           </a:solidFill>
@@ -3042,8 +3042,8 @@
           <a:cs typeface="+mn-cs"/>
         </a:defRPr>
       </a:lvl6pPr>
-      <a:lvl7pPr algn="l" defTabSz="342900" eaLnBrk="1" hangingPunct="1" latinLnBrk="0" marL="2057400" rtl="0">
-        <a:defRPr kern="1200" sz="1350">
+      <a:lvl7pPr marL="2057400" algn="l" defTabSz="342900" rtl="0" eaLnBrk="1" latinLnBrk="0" hangingPunct="1">
+        <a:defRPr sz="1350" kern="1200">
           <a:solidFill>
             <a:schemeClr val="tx1"/>
           </a:solidFill>
@@ -3052,8 +3052,8 @@
           <a:cs typeface="+mn-cs"/>
         </a:defRPr>
       </a:lvl7pPr>
-      <a:lvl8pPr algn="l" defTabSz="342900" eaLnBrk="1" hangingPunct="1" latinLnBrk="0" marL="2400300" rtl="0">
-        <a:defRPr kern="1200" sz="1350">
+      <a:lvl8pPr marL="2400300" algn="l" defTabSz="342900" rtl="0" eaLnBrk="1" latinLnBrk="0" hangingPunct="1">
+        <a:defRPr sz="1350" kern="1200">
           <a:solidFill>
             <a:schemeClr val="tx1"/>
           </a:solidFill>
@@ -3062,8 +3062,8 @@
           <a:cs typeface="+mn-cs"/>
         </a:defRPr>
       </a:lvl8pPr>
-      <a:lvl9pPr algn="l" defTabSz="342900" eaLnBrk="1" hangingPunct="1" latinLnBrk="0" marL="2743200" rtl="0">
-        <a:defRPr kern="1200" sz="1350">
+      <a:lvl9pPr marL="2743200" algn="l" defTabSz="342900" rtl="0" eaLnBrk="1" latinLnBrk="0" hangingPunct="1">
+        <a:defRPr sz="1350" kern="1200">
           <a:solidFill>
             <a:schemeClr val="tx1"/>
           </a:solidFill>
@@ -3114,11 +3114,10 @@
           <a:bodyPr/>
           <a:lstStyle/>
           <a:p>
-            <a:pPr lvl="0" indent="0" marL="0">
+            <a:pPr marL="0" lvl="0" indent="0">
               <a:buNone/>
             </a:pPr>
             <a:r>
-              <a:rPr/>
               <a:t>Disparities in Climate-Induced Health Outcomes in the Greater Toronto Area.</a:t>
             </a:r>
           </a:p>
@@ -3131,7 +3130,7 @@
             <a:spLocks noGrp="1"/>
           </p:cNvSpPr>
           <p:nvPr>
-            <p:ph idx="1" type="subTitle"/>
+            <p:ph type="subTitle" idx="1"/>
           </p:nvPr>
         </p:nvSpPr>
         <p:spPr>
@@ -3144,13 +3143,12 @@
           <a:bodyPr/>
           <a:lstStyle/>
           <a:p>
-            <a:pPr lvl="0" indent="0" marL="0">
+            <a:pPr marL="0" lvl="0" indent="0">
               <a:buNone/>
             </a:pPr>
             <a:br/>
             <a:br/>
             <a:r>
-              <a:rPr/>
               <a:t>Sarah Mansoor</a:t>
             </a:r>
           </a:p>
@@ -3163,19 +3161,18 @@
             <a:spLocks noGrp="1"/>
           </p:cNvSpPr>
           <p:nvPr>
-            <p:ph idx="10" sz="half" type="dt"/>
-          </p:nvPr>
-        </p:nvSpPr>
-        <p:spPr/>
-        <p:txBody>
-          <a:bodyPr/>
-          <a:lstStyle/>
-          <a:p>
-            <a:pPr lvl="0" indent="0" marL="0">
+            <p:ph type="dt" sz="half" idx="10"/>
+          </p:nvPr>
+        </p:nvSpPr>
+        <p:spPr/>
+        <p:txBody>
+          <a:bodyPr/>
+          <a:lstStyle/>
+          <a:p>
+            <a:pPr marL="0" lvl="0" indent="0">
               <a:buNone/>
             </a:pPr>
             <a:r>
-              <a:rPr/>
               <a:t>06 July 2022</a:t>
             </a:r>
           </a:p>
@@ -3183,6 +3180,9 @@
       </p:sp>
     </p:spTree>
   </p:cSld>
+  <p:clrMapOvr>
+    <a:masterClrMapping/>
+  </p:clrMapOvr>
 </p:sld>
 </file>
 
@@ -3218,12 +3218,9 @@
           <a:bodyPr/>
           <a:lstStyle/>
           <a:p>
-            <a:pPr lvl="0" indent="0" marL="0">
-              <a:buNone/>
-            </a:pPr>
-            <a:r>
-              <a:rPr/>
-              <a:t>Table of contents</a:t>
+            <a:r>
+              <a:rPr lang="en-CA" b="1" dirty="0"/>
+              <a:t>Research Topic</a:t>
             </a:r>
           </a:p>
         </p:txBody>
@@ -3244,35 +3241,17 @@
           <a:lstStyle/>
           <a:p>
             <a:pPr lvl="0"/>
-            <a:r>
-              <a:rPr>
-                <a:hlinkClick r:id="rId2" action="ppaction://hlinksldjump"/>
-              </a:rPr>
-              <a:t>Quarto</a:t>
-            </a:r>
-          </a:p>
-          <a:p>
-            <a:pPr lvl="0"/>
-            <a:r>
-              <a:rPr>
-                <a:hlinkClick r:id="rId3" action="ppaction://hlinksldjump"/>
-              </a:rPr>
-              <a:t>Bullets</a:t>
-            </a:r>
-          </a:p>
-          <a:p>
-            <a:pPr lvl="0"/>
-            <a:r>
-              <a:rPr>
-                <a:hlinkClick r:id="rId4" action="ppaction://hlinksldjump"/>
-              </a:rPr>
-              <a:t>Code</a:t>
-            </a:r>
+            <a:endParaRPr dirty="0">
+              <a:hlinkClick r:id="rId2" action="ppaction://hlinksldjump"/>
+            </a:endParaRPr>
           </a:p>
         </p:txBody>
       </p:sp>
     </p:spTree>
   </p:cSld>
+  <p:clrMapOvr>
+    <a:masterClrMapping/>
+  </p:clrMapOvr>
 </p:sld>
 </file>
 
@@ -3308,53 +3287,40 @@
           <a:bodyPr/>
           <a:lstStyle/>
           <a:p>
-            <a:pPr lvl="0" indent="0" marL="0">
+            <a:r>
+              <a:rPr lang="en-CA" b="1" dirty="0"/>
+              <a:t>Data Science Methods</a:t>
+            </a:r>
+          </a:p>
+        </p:txBody>
+      </p:sp>
+      <p:sp>
+        <p:nvSpPr>
+          <p:cNvPr id="3" name="Content Placeholder 2"/>
+          <p:cNvSpPr>
+            <a:spLocks noGrp="1"/>
+          </p:cNvSpPr>
+          <p:nvPr>
+            <p:ph idx="1"/>
+          </p:nvPr>
+        </p:nvSpPr>
+        <p:spPr/>
+        <p:txBody>
+          <a:bodyPr/>
+          <a:lstStyle/>
+          <a:p>
+            <a:pPr marL="0" lvl="0" indent="0">
               <a:buNone/>
             </a:pPr>
-            <a:r>
-              <a:rPr/>
-              <a:t>Quarto</a:t>
-            </a:r>
-          </a:p>
-        </p:txBody>
-      </p:sp>
-      <p:sp>
-        <p:nvSpPr>
-          <p:cNvPr id="3" name="Content Placeholder 2"/>
-          <p:cNvSpPr>
-            <a:spLocks noGrp="1"/>
-          </p:cNvSpPr>
-          <p:nvPr>
-            <p:ph idx="1"/>
-          </p:nvPr>
-        </p:nvSpPr>
-        <p:spPr/>
-        <p:txBody>
-          <a:bodyPr/>
-          <a:lstStyle/>
-          <a:p>
-            <a:pPr lvl="0" indent="0" marL="0">
-              <a:buNone/>
-            </a:pPr>
-            <a:r>
-              <a:rPr/>
-              <a:t>Quarto enables you to weave together content and executable code into a finished presentation. To learn more about Quarto presentations see </a:t>
-            </a:r>
-            <a:r>
-              <a:rPr>
-                <a:hlinkClick r:id="rId2"/>
-              </a:rPr>
-              <a:t>https://quarto.org/docs/presentations/</a:t>
-            </a:r>
-            <a:r>
-              <a:rPr/>
-              <a:t>.</a:t>
-            </a:r>
+            <a:endParaRPr dirty="0"/>
           </a:p>
         </p:txBody>
       </p:sp>
     </p:spTree>
   </p:cSld>
+  <p:clrMapOvr>
+    <a:masterClrMapping/>
+  </p:clrMapOvr>
 </p:sld>
 </file>
 
@@ -3390,65 +3356,40 @@
           <a:bodyPr/>
           <a:lstStyle/>
           <a:p>
-            <a:pPr lvl="0" indent="0" marL="0">
+            <a:r>
+              <a:rPr lang="en-CA" b="1" dirty="0"/>
+              <a:t>Results</a:t>
+            </a:r>
+          </a:p>
+        </p:txBody>
+      </p:sp>
+      <p:sp>
+        <p:nvSpPr>
+          <p:cNvPr id="3" name="Content Placeholder 2"/>
+          <p:cNvSpPr>
+            <a:spLocks noGrp="1"/>
+          </p:cNvSpPr>
+          <p:nvPr>
+            <p:ph idx="1"/>
+          </p:nvPr>
+        </p:nvSpPr>
+        <p:spPr/>
+        <p:txBody>
+          <a:bodyPr/>
+          <a:lstStyle/>
+          <a:p>
+            <a:pPr marL="0" lvl="0" indent="0">
               <a:buNone/>
             </a:pPr>
-            <a:r>
-              <a:rPr/>
-              <a:t>Bullets</a:t>
-            </a:r>
-          </a:p>
-        </p:txBody>
-      </p:sp>
-      <p:sp>
-        <p:nvSpPr>
-          <p:cNvPr id="3" name="Content Placeholder 2"/>
-          <p:cNvSpPr>
-            <a:spLocks noGrp="1"/>
-          </p:cNvSpPr>
-          <p:nvPr>
-            <p:ph idx="1"/>
-          </p:nvPr>
-        </p:nvSpPr>
-        <p:spPr/>
-        <p:txBody>
-          <a:bodyPr/>
-          <a:lstStyle/>
-          <a:p>
-            <a:pPr lvl="0" indent="0" marL="0">
-              <a:buNone/>
-            </a:pPr>
-            <a:r>
-              <a:rPr/>
-              <a:t>When you click the </a:t>
-            </a:r>
-            <a:r>
-              <a:rPr b="1"/>
-              <a:t>Render</a:t>
-            </a:r>
-            <a:r>
-              <a:rPr/>
-              <a:t> button a document will be generated that includes:</a:t>
-            </a:r>
-          </a:p>
-          <a:p>
-            <a:pPr lvl="0"/>
-            <a:r>
-              <a:rPr/>
-              <a:t>Content authored with markdown</a:t>
-            </a:r>
-          </a:p>
-          <a:p>
-            <a:pPr lvl="0"/>
-            <a:r>
-              <a:rPr/>
-              <a:t>Output from executable code</a:t>
-            </a:r>
+            <a:endParaRPr dirty="0"/>
           </a:p>
         </p:txBody>
       </p:sp>
     </p:spTree>
   </p:cSld>
+  <p:clrMapOvr>
+    <a:masterClrMapping/>
+  </p:clrMapOvr>
 </p:sld>
 </file>
 
@@ -3489,13 +3430,10 @@
           <a:bodyPr/>
           <a:lstStyle/>
           <a:p>
-            <a:pPr lvl="0" indent="0" marL="0">
+            <a:pPr marL="0" lvl="0" indent="0">
               <a:buNone/>
             </a:pPr>
-            <a:r>
-              <a:rPr/>
-              <a:t>Code</a:t>
-            </a:r>
+            <a:endParaRPr dirty="0"/>
           </a:p>
         </p:txBody>
       </p:sp>
@@ -3506,46 +3444,26 @@
             <a:spLocks noGrp="1"/>
           </p:cNvSpPr>
           <p:nvPr>
-            <p:ph idx="2" sz="half" type="body"/>
-          </p:nvPr>
-        </p:nvSpPr>
-        <p:spPr/>
-        <p:txBody>
-          <a:bodyPr/>
-          <a:lstStyle/>
-          <a:p>
-            <a:pPr lvl="0" indent="0" marL="0">
+            <p:ph type="body" sz="half" idx="2"/>
+          </p:nvPr>
+        </p:nvSpPr>
+        <p:spPr/>
+        <p:txBody>
+          <a:bodyPr/>
+          <a:lstStyle/>
+          <a:p>
+            <a:pPr marL="0" lvl="0" indent="0">
               <a:buNone/>
             </a:pPr>
-            <a:r>
-              <a:rPr/>
-              <a:t>When you click the </a:t>
-            </a:r>
-            <a:r>
-              <a:rPr b="1"/>
-              <a:t>Render</a:t>
-            </a:r>
-            <a:r>
-              <a:rPr/>
-              <a:t> button a presentation will be generated that includes both content and the output of embedded code. You can embed code like this:</a:t>
-            </a:r>
-          </a:p>
-          <a:p>
-            <a:pPr lvl="0" indent="0">
-              <a:buNone/>
-            </a:pPr>
-            <a:r>
-              <a:rPr>
-                <a:latin typeface="Courier"/>
-              </a:rPr>
-              <a:t>[1] 2</a:t>
-            </a:r>
+            <a:endParaRPr dirty="0">
+              <a:latin typeface="Courier"/>
+            </a:endParaRPr>
           </a:p>
         </p:txBody>
       </p:sp>
       <p:pic>
         <p:nvPicPr>
-          <p:cNvPr descr="images/paste-01E2A963.png" id="0" name="Picture 1"/>
+          <p:cNvPr id="3" name="Picture 1" descr="images/paste-01E2A963.png"/>
           <p:cNvPicPr>
             <a:picLocks noGrp="1" noChangeAspect="1"/>
           </p:cNvPicPr>
@@ -3559,8 +3477,8 @@
         </p:blipFill>
         <p:spPr bwMode="auto">
           <a:xfrm>
-            <a:off x="3568700" y="2057400"/>
-            <a:ext cx="5105400" cy="673100"/>
+            <a:off x="457200" y="2235200"/>
+            <a:ext cx="10040807" cy="1323788"/>
           </a:xfrm>
           <a:prstGeom prst="rect">
             <a:avLst/>
@@ -3575,6 +3493,9 @@
       </p:pic>
     </p:spTree>
   </p:cSld>
+  <p:clrMapOvr>
+    <a:masterClrMapping/>
+  </p:clrMapOvr>
 </p:sld>
 </file>
 
@@ -3896,265 +3817,4 @@
   </a:objectDefaults>
   <a:extraClrSchemeLst/>
 </a:theme>
-</file>
-
-<file path=ppt/theme/theme2.xml><?xml version="1.0" encoding="utf-8"?>
-<a:theme xmlns:a="http://schemas.openxmlformats.org/drawingml/2006/main" name="Office Theme">
-  <a:themeElements>
-    <a:clrScheme name="Office">
-      <a:dk1>
-        <a:sysClr val="windowText" lastClr="000000"/>
-      </a:dk1>
-      <a:lt1>
-        <a:sysClr val="window" lastClr="FFFFFF"/>
-      </a:lt1>
-      <a:dk2>
-        <a:srgbClr val="44546A"/>
-      </a:dk2>
-      <a:lt2>
-        <a:srgbClr val="E7E6E6"/>
-      </a:lt2>
-      <a:accent1>
-        <a:srgbClr val="5B9BD5"/>
-      </a:accent1>
-      <a:accent2>
-        <a:srgbClr val="ED7D31"/>
-      </a:accent2>
-      <a:accent3>
-        <a:srgbClr val="A5A5A5"/>
-      </a:accent3>
-      <a:accent4>
-        <a:srgbClr val="FFC000"/>
-      </a:accent4>
-      <a:accent5>
-        <a:srgbClr val="4472C4"/>
-      </a:accent5>
-      <a:accent6>
-        <a:srgbClr val="70AD47"/>
-      </a:accent6>
-      <a:hlink>
-        <a:srgbClr val="0563C1"/>
-      </a:hlink>
-      <a:folHlink>
-        <a:srgbClr val="954F72"/>
-      </a:folHlink>
-    </a:clrScheme>
-    <a:fontScheme name="Office">
-      <a:majorFont>
-        <a:latin typeface="Calibri Light" panose="020F0302020204030204"/>
-        <a:ea typeface=""/>
-        <a:cs typeface=""/>
-        <a:font script="Jpan" typeface="ＭＳ Ｐゴシック"/>
-        <a:font script="Hang" typeface="맑은 고딕"/>
-        <a:font script="Hans" typeface="宋体"/>
-        <a:font script="Hant" typeface="新細明體"/>
-        <a:font script="Arab" typeface="Times New Roman"/>
-        <a:font script="Hebr" typeface="Times New Roman"/>
-        <a:font script="Thai" typeface="Angsana New"/>
-        <a:font script="Ethi" typeface="Nyala"/>
-        <a:font script="Beng" typeface="Vrinda"/>
-        <a:font script="Gujr" typeface="Shruti"/>
-        <a:font script="Khmr" typeface="MoolBoran"/>
-        <a:font script="Knda" typeface="Tunga"/>
-        <a:font script="Guru" typeface="Raavi"/>
-        <a:font script="Cans" typeface="Euphemia"/>
-        <a:font script="Cher" typeface="Plantagenet Cherokee"/>
-        <a:font script="Yiii" typeface="Microsoft Yi Baiti"/>
-        <a:font script="Tibt" typeface="Microsoft Himalaya"/>
-        <a:font script="Thaa" typeface="MV Boli"/>
-        <a:font script="Deva" typeface="Mangal"/>
-        <a:font script="Telu" typeface="Gautami"/>
-        <a:font script="Taml" typeface="Latha"/>
-        <a:font script="Syrc" typeface="Estrangelo Edessa"/>
-        <a:font script="Orya" typeface="Kalinga"/>
-        <a:font script="Mlym" typeface="Kartika"/>
-        <a:font script="Laoo" typeface="DokChampa"/>
-        <a:font script="Sinh" typeface="Iskoola Pota"/>
-        <a:font script="Mong" typeface="Mongolian Baiti"/>
-        <a:font script="Viet" typeface="Times New Roman"/>
-        <a:font script="Uigh" typeface="Microsoft Uighur"/>
-        <a:font script="Geor" typeface="Sylfaen"/>
-      </a:majorFont>
-      <a:minorFont>
-        <a:latin typeface="Calibri" panose="020F0502020204030204"/>
-        <a:ea typeface=""/>
-        <a:cs typeface=""/>
-        <a:font script="Jpan" typeface="ＭＳ Ｐゴシック"/>
-        <a:font script="Hang" typeface="맑은 고딕"/>
-        <a:font script="Hans" typeface="宋体"/>
-        <a:font script="Hant" typeface="新細明體"/>
-        <a:font script="Arab" typeface="Arial"/>
-        <a:font script="Hebr" typeface="Arial"/>
-        <a:font script="Thai" typeface="Cordia New"/>
-        <a:font script="Ethi" typeface="Nyala"/>
-        <a:font script="Beng" typeface="Vrinda"/>
-        <a:font script="Gujr" typeface="Shruti"/>
-        <a:font script="Khmr" typeface="DaunPenh"/>
-        <a:font script="Knda" typeface="Tunga"/>
-        <a:font script="Guru" typeface="Raavi"/>
-        <a:font script="Cans" typeface="Euphemia"/>
-        <a:font script="Cher" typeface="Plantagenet Cherokee"/>
-        <a:font script="Yiii" typeface="Microsoft Yi Baiti"/>
-        <a:font script="Tibt" typeface="Microsoft Himalaya"/>
-        <a:font script="Thaa" typeface="MV Boli"/>
-        <a:font script="Deva" typeface="Mangal"/>
-        <a:font script="Telu" typeface="Gautami"/>
-        <a:font script="Taml" typeface="Latha"/>
-        <a:font script="Syrc" typeface="Estrangelo Edessa"/>
-        <a:font script="Orya" typeface="Kalinga"/>
-        <a:font script="Mlym" typeface="Kartika"/>
-        <a:font script="Laoo" typeface="DokChampa"/>
-        <a:font script="Sinh" typeface="Iskoola Pota"/>
-        <a:font script="Mong" typeface="Mongolian Baiti"/>
-        <a:font script="Viet" typeface="Arial"/>
-        <a:font script="Uigh" typeface="Microsoft Uighur"/>
-        <a:font script="Geor" typeface="Sylfaen"/>
-      </a:minorFont>
-    </a:fontScheme>
-    <a:fmtScheme name="Office">
-      <a:fillStyleLst>
-        <a:solidFill>
-          <a:schemeClr val="phClr"/>
-        </a:solidFill>
-        <a:gradFill rotWithShape="1">
-          <a:gsLst>
-            <a:gs pos="0">
-              <a:schemeClr val="phClr">
-                <a:lumMod val="110000"/>
-                <a:satMod val="105000"/>
-                <a:tint val="67000"/>
-              </a:schemeClr>
-            </a:gs>
-            <a:gs pos="50000">
-              <a:schemeClr val="phClr">
-                <a:lumMod val="105000"/>
-                <a:satMod val="103000"/>
-                <a:tint val="73000"/>
-              </a:schemeClr>
-            </a:gs>
-            <a:gs pos="100000">
-              <a:schemeClr val="phClr">
-                <a:lumMod val="105000"/>
-                <a:satMod val="109000"/>
-                <a:tint val="81000"/>
-              </a:schemeClr>
-            </a:gs>
-          </a:gsLst>
-          <a:lin ang="5400000" scaled="0"/>
-        </a:gradFill>
-        <a:gradFill rotWithShape="1">
-          <a:gsLst>
-            <a:gs pos="0">
-              <a:schemeClr val="phClr">
-                <a:satMod val="103000"/>
-                <a:lumMod val="102000"/>
-                <a:tint val="94000"/>
-              </a:schemeClr>
-            </a:gs>
-            <a:gs pos="50000">
-              <a:schemeClr val="phClr">
-                <a:satMod val="110000"/>
-                <a:lumMod val="100000"/>
-                <a:shade val="100000"/>
-              </a:schemeClr>
-            </a:gs>
-            <a:gs pos="100000">
-              <a:schemeClr val="phClr">
-                <a:lumMod val="99000"/>
-                <a:satMod val="120000"/>
-                <a:shade val="78000"/>
-              </a:schemeClr>
-            </a:gs>
-          </a:gsLst>
-          <a:lin ang="5400000" scaled="0"/>
-        </a:gradFill>
-      </a:fillStyleLst>
-      <a:lnStyleLst>
-        <a:ln w="6350" cap="flat" cmpd="sng" algn="ctr">
-          <a:solidFill>
-            <a:schemeClr val="phClr"/>
-          </a:solidFill>
-          <a:prstDash val="solid"/>
-          <a:miter lim="800000"/>
-        </a:ln>
-        <a:ln w="12700" cap="flat" cmpd="sng" algn="ctr">
-          <a:solidFill>
-            <a:schemeClr val="phClr"/>
-          </a:solidFill>
-          <a:prstDash val="solid"/>
-          <a:miter lim="800000"/>
-        </a:ln>
-        <a:ln w="19050" cap="flat" cmpd="sng" algn="ctr">
-          <a:solidFill>
-            <a:schemeClr val="phClr"/>
-          </a:solidFill>
-          <a:prstDash val="solid"/>
-          <a:miter lim="800000"/>
-        </a:ln>
-      </a:lnStyleLst>
-      <a:effectStyleLst>
-        <a:effectStyle>
-          <a:effectLst/>
-        </a:effectStyle>
-        <a:effectStyle>
-          <a:effectLst/>
-        </a:effectStyle>
-        <a:effectStyle>
-          <a:effectLst>
-            <a:outerShdw blurRad="57150" dist="19050" dir="5400000" algn="ctr" rotWithShape="0">
-              <a:srgbClr val="000000">
-                <a:alpha val="63000"/>
-              </a:srgbClr>
-            </a:outerShdw>
-          </a:effectLst>
-        </a:effectStyle>
-      </a:effectStyleLst>
-      <a:bgFillStyleLst>
-        <a:solidFill>
-          <a:schemeClr val="phClr"/>
-        </a:solidFill>
-        <a:solidFill>
-          <a:schemeClr val="phClr">
-            <a:tint val="95000"/>
-            <a:satMod val="170000"/>
-          </a:schemeClr>
-        </a:solidFill>
-        <a:gradFill rotWithShape="1">
-          <a:gsLst>
-            <a:gs pos="0">
-              <a:schemeClr val="phClr">
-                <a:tint val="93000"/>
-                <a:satMod val="150000"/>
-                <a:shade val="98000"/>
-                <a:lumMod val="102000"/>
-              </a:schemeClr>
-            </a:gs>
-            <a:gs pos="50000">
-              <a:schemeClr val="phClr">
-                <a:tint val="98000"/>
-                <a:satMod val="130000"/>
-                <a:shade val="90000"/>
-                <a:lumMod val="103000"/>
-              </a:schemeClr>
-            </a:gs>
-            <a:gs pos="100000">
-              <a:schemeClr val="phClr">
-                <a:shade val="63000"/>
-                <a:satMod val="120000"/>
-              </a:schemeClr>
-            </a:gs>
-          </a:gsLst>
-          <a:lin ang="5400000" scaled="0"/>
-        </a:gradFill>
-      </a:bgFillStyleLst>
-    </a:fmtScheme>
-  </a:themeElements>
-  <a:objectDefaults/>
-  <a:extraClrSchemeLst/>
-  <a:extLst>
-    <a:ext uri="{05A4C25C-085E-4340-85A3-A5531E510DB2}">
-      <thm15:themeFamily xmlns:thm15="http://schemas.microsoft.com/office/thememl/2012/main" name="Office Theme" id="{62F939B6-93AF-4DB8-9C6B-D6C7DFDC589F}" vid="{4A3C46E8-61CC-4603-A589-7422A47A8E4A}"/>
-    </a:ext>
-  </a:extLst>
-</a:theme>
 </file>
--- a/outputs/presentation/presentation.pptx
+++ b/outputs/presentation/presentation.pptx
@@ -811,7 +811,7 @@
                 <a:cs typeface="Arial"/>
                 <a:sym typeface="Arial"/>
               </a:rPr>
-              <a:t>The growing impact of climate change in Canada demonstrates a clear and current threat to human health which is prevalent as the country continues to face the consequences of warming almost at twice the global rate. As Canada's population and economy continue to grow, an increase in demand for higher production and resources will inevitably follow. This will require more energy from extraction and in turn contribute to the production of harmful pollutants. This paper will provide an analysis of trends in temperature and pollution levels in Toronto over the last 20 years. </a:t>
+              <a:t>Good morning everyone. My name is Sarah Mansoor and today I will be presenting my work on the Disparities in Climate-Induced Health Outcomes in the GTA. The growing impact of climate change in Canada demonstrates a clear and current threat to human health which is prevalent as the country continues to face the consequences of warming almost at twice the global rate. As Canada's population and economy continue to grow, an increase in demand for higher production and resources will inevitably follow. This will require more energy from extraction and in turn contribute to the production of pollutants that are harmful to peoples’ health. My work focused on an analysis of trends in temperature and pollution levels in Toronto over the last 20 years. </a:t>
             </a:r>
             <a:endParaRPr sz="1800" dirty="0"/>
           </a:p>
@@ -928,7 +928,7 @@
                 <a:cs typeface="Arial"/>
                 <a:sym typeface="Arial"/>
               </a:rPr>
-              <a:t>The data collected includes temperature data from 2002 to 2022 in Toronto and pollution data that includes Nitric oxide, nitrogen dioxide, carbon monoxide, and ozone from 2002 to 2020 in Toronto. The data was analyzed using exploratory analysis, data visualization, and regression analysis. </a:t>
+              <a:t>The data collected includes temperature data from 2002 to 2022 in Toronto and includes maximum, minimum and mean temperatures on a daily scale. The pollution data that includes Nitric oxide, nitrogen dioxide, carbon monoxide, sulfur dioxide and ozone from 2002 to 2020 in Toronto. This data included hourly pollution levels for each pollutant for these years. The data was analyzed using exploratory analysis, data visualization, and regression analysis. Exploratory analysis was used to discover patterns and trends. Data visualization was used to understand and make insights on the data using plots. Regression analysis was used to explore the relationship between temperature and pollution levels in Toronto. </a:t>
             </a:r>
             <a:endParaRPr dirty="0"/>
           </a:p>
@@ -1045,7 +1045,7 @@
                 <a:cs typeface="Arial"/>
                 <a:sym typeface="Arial"/>
               </a:rPr>
-              <a:t>Subsequent findings showed that temperatures have continued to increase since 2002 and winters are experiencing less extreme cold while summers are experiencing more extreme heat. Further, pollution levels for NO (Nitric Oxide), NO2 (Nitrogen Dioxide), CO (Carbon Monoxide), and SO2 (Sulfur Dioxide) have gone down since 2002 which may be related to laws and regulations put in place. Data visualizations showed that these pollutants appear to have higher levels in winter months while O3 (Ozone) pollution levels have remained mostly the same since 2002 and these levels have higher maximums in summer months. The presence of these pollutants has a number of detrimental health effects for the Toronto population including lung irritation, increase in allergens for those with asthma, respiratory illnesses, heart disease, cardiovascular diseases, and reduced lung function. This research will provide insight into which pollutants are most problematic during particular months that should be prioritized in further research to reduce their effects on health.</a:t>
+              <a:t>Subsequent findings showed that temperatures have continued to increase since 2002 and winters are experiencing less extreme cold while summers are experiencing more extreme heat as seen in the first two plots. Further, pollution levels for NO (Nitric Oxide), NO2 (Nitrogen Dioxide), CO (Carbon Monoxide), and SO2 (Sulfur Dioxide) have gone down since 2002 which may be related to laws and regulations put in place. Data visualizations showed that these pollutants appear to have higher levels in winter months while O3 (Ozone) pollution levels have remained mostly the same since 2002 and these levels have higher maximums in summer months as seen in the last two plots. The presence of these pollutants has a number of detrimental health effects for the Toronto population including lung irritation, increase in allergens for those with asthma, respiratory illnesses, heart disease, cardiovascular diseases, and reduced lung function. This research will provide insight into which pollutants are most problematic during particular months that should be prioritized in further research to reduce their effects on health for individuals in Toronto. Thank you.</a:t>
             </a:r>
             <a:endParaRPr dirty="0"/>
           </a:p>
